--- a/php/sql.ptt/07 鎖定.pptx
+++ b/php/sql.ptt/07 鎖定.pptx
@@ -8904,7 +8904,8 @@
           <a:p>
             <a:fld id="{6AD6EE87-EBD5-4F12-A48A-63ACA297AC8F}" type="datetimeFigureOut">
               <a:rPr lang="en-US" dirty="0"/>
-              <a:t>3/15/18</a:t>
+              <a:pPr/>
+              <a:t>5/5/2019</a:t>
             </a:fld>
             <a:endParaRPr lang="en-US" dirty="0"/>
           </a:p>
@@ -8946,6 +8947,7 @@
           <a:p>
             <a:fld id="{4FAB73BC-B049-4115-A692-8D63A059BFB8}" type="slidenum">
               <a:rPr lang="en-US" dirty="0"/>
+              <a:pPr/>
               <a:t>‹#›</a:t>
             </a:fld>
             <a:endParaRPr lang="en-US" dirty="0"/>
@@ -9106,7 +9108,8 @@
           <a:p>
             <a:fld id="{4CD73815-2707-4475-8F1A-B873CB631BB4}" type="datetimeFigureOut">
               <a:rPr lang="en-US" dirty="0"/>
-              <a:t>3/15/18</a:t>
+              <a:pPr/>
+              <a:t>5/5/2019</a:t>
             </a:fld>
             <a:endParaRPr lang="en-US" dirty="0"/>
           </a:p>
@@ -9148,6 +9151,7 @@
           <a:p>
             <a:fld id="{4FAB73BC-B049-4115-A692-8D63A059BFB8}" type="slidenum">
               <a:rPr lang="en-US" dirty="0"/>
+              <a:pPr/>
               <a:t>‹#›</a:t>
             </a:fld>
             <a:endParaRPr lang="en-US" dirty="0"/>
@@ -9281,7 +9285,8 @@
           <a:p>
             <a:fld id="{2A4AFB99-0EAB-4182-AFF8-E214C82A68F6}" type="datetimeFigureOut">
               <a:rPr lang="en-US" dirty="0"/>
-              <a:t>3/15/18</a:t>
+              <a:pPr/>
+              <a:t>5/5/2019</a:t>
             </a:fld>
             <a:endParaRPr lang="en-US" dirty="0"/>
           </a:p>
@@ -9323,6 +9328,7 @@
           <a:p>
             <a:fld id="{4FAB73BC-B049-4115-A692-8D63A059BFB8}" type="slidenum">
               <a:rPr lang="en-US" dirty="0"/>
+              <a:pPr/>
               <a:t>‹#›</a:t>
             </a:fld>
             <a:endParaRPr lang="en-US" dirty="0"/>
@@ -9481,7 +9487,8 @@
           <a:p>
             <a:fld id="{A5D3794B-289A-4A80-97D7-111025398D45}" type="datetimeFigureOut">
               <a:rPr lang="en-US" dirty="0"/>
-              <a:t>3/15/18</a:t>
+              <a:pPr/>
+              <a:t>5/5/2019</a:t>
             </a:fld>
             <a:endParaRPr lang="en-US" dirty="0"/>
           </a:p>
@@ -9523,6 +9530,7 @@
           <a:p>
             <a:fld id="{4FAB73BC-B049-4115-A692-8D63A059BFB8}" type="slidenum">
               <a:rPr lang="en-US" dirty="0"/>
+              <a:pPr/>
               <a:t>‹#›</a:t>
             </a:fld>
             <a:endParaRPr lang="en-US" dirty="0"/>
@@ -18374,7 +18382,8 @@
           <a:p>
             <a:fld id="{5A61015F-7CC6-4D0A-9D87-873EA4C304CC}" type="datetimeFigureOut">
               <a:rPr lang="en-US" dirty="0"/>
-              <a:t>3/15/18</a:t>
+              <a:pPr/>
+              <a:t>5/5/2019</a:t>
             </a:fld>
             <a:endParaRPr lang="en-US" dirty="0"/>
           </a:p>
@@ -18416,6 +18425,7 @@
           <a:p>
             <a:fld id="{4FAB73BC-B049-4115-A692-8D63A059BFB8}" type="slidenum">
               <a:rPr lang="en-US" dirty="0"/>
+              <a:pPr/>
               <a:t>‹#›</a:t>
             </a:fld>
             <a:endParaRPr lang="en-US" dirty="0"/>
@@ -18643,7 +18653,8 @@
           <a:p>
             <a:fld id="{93C6A301-0538-44EC-B09D-202E1042A48B}" type="datetimeFigureOut">
               <a:rPr lang="en-US" dirty="0"/>
-              <a:t>3/15/18</a:t>
+              <a:pPr/>
+              <a:t>5/5/2019</a:t>
             </a:fld>
             <a:endParaRPr lang="en-US" dirty="0"/>
           </a:p>
@@ -18685,6 +18696,7 @@
           <a:p>
             <a:fld id="{4FAB73BC-B049-4115-A692-8D63A059BFB8}" type="slidenum">
               <a:rPr lang="en-US" dirty="0"/>
+              <a:pPr/>
               <a:t>‹#›</a:t>
             </a:fld>
             <a:endParaRPr lang="en-US" dirty="0"/>
@@ -19036,7 +19048,8 @@
           <a:p>
             <a:fld id="{D789574A-8875-45EF-8EA2-3CAA0F7ABC4C}" type="datetimeFigureOut">
               <a:rPr lang="en-US" dirty="0"/>
-              <a:t>3/15/18</a:t>
+              <a:pPr/>
+              <a:t>5/5/2019</a:t>
             </a:fld>
             <a:endParaRPr lang="en-US" dirty="0"/>
           </a:p>
@@ -19078,6 +19091,7 @@
           <a:p>
             <a:fld id="{4FAB73BC-B049-4115-A692-8D63A059BFB8}" type="slidenum">
               <a:rPr lang="en-US" dirty="0"/>
+              <a:pPr/>
               <a:t>‹#›</a:t>
             </a:fld>
             <a:endParaRPr lang="en-US" dirty="0"/>
@@ -19149,7 +19163,8 @@
           <a:p>
             <a:fld id="{67EF4D4C-5367-4C26-9E2B-D8088D7FCA81}" type="datetimeFigureOut">
               <a:rPr lang="en-US" dirty="0"/>
-              <a:t>3/15/18</a:t>
+              <a:pPr/>
+              <a:t>5/5/2019</a:t>
             </a:fld>
             <a:endParaRPr lang="en-US" dirty="0"/>
           </a:p>
@@ -19191,6 +19206,7 @@
           <a:p>
             <a:fld id="{4FAB73BC-B049-4115-A692-8D63A059BFB8}" type="slidenum">
               <a:rPr lang="en-US" dirty="0"/>
+              <a:pPr/>
               <a:t>‹#›</a:t>
             </a:fld>
             <a:endParaRPr lang="en-US" dirty="0"/>
@@ -19239,7 +19255,8 @@
           <a:p>
             <a:fld id="{56E91E96-98B0-4413-9547-46F3504108EF}" type="datetimeFigureOut">
               <a:rPr lang="en-US" dirty="0"/>
-              <a:t>3/15/18</a:t>
+              <a:pPr/>
+              <a:t>5/5/2019</a:t>
             </a:fld>
             <a:endParaRPr lang="en-US" dirty="0"/>
           </a:p>
@@ -19281,6 +19298,7 @@
           <a:p>
             <a:fld id="{4FAB73BC-B049-4115-A692-8D63A059BFB8}" type="slidenum">
               <a:rPr lang="en-US" dirty="0"/>
+              <a:pPr/>
               <a:t>‹#›</a:t>
             </a:fld>
             <a:endParaRPr lang="en-US" dirty="0"/>
@@ -19524,7 +19542,8 @@
           <a:p>
             <a:fld id="{05C68B11-C5A8-448C-8CE9-B1A273C79CFC}" type="datetimeFigureOut">
               <a:rPr lang="en-US" dirty="0"/>
-              <a:t>3/15/18</a:t>
+              <a:pPr/>
+              <a:t>5/5/2019</a:t>
             </a:fld>
             <a:endParaRPr lang="en-US" dirty="0"/>
           </a:p>
@@ -19566,6 +19585,7 @@
           <a:p>
             <a:fld id="{4FAB73BC-B049-4115-A692-8D63A059BFB8}" type="slidenum">
               <a:rPr lang="en-US" dirty="0"/>
+              <a:pPr/>
               <a:t>‹#›</a:t>
             </a:fld>
             <a:endParaRPr lang="en-US" dirty="0"/>
@@ -19799,7 +19819,8 @@
           <a:p>
             <a:fld id="{C7616CA0-919D-4A49-9C8A-62FDFB3A5183}" type="datetimeFigureOut">
               <a:rPr lang="en-US" dirty="0"/>
-              <a:t>3/15/18</a:t>
+              <a:pPr/>
+              <a:t>5/5/2019</a:t>
             </a:fld>
             <a:endParaRPr lang="en-US" dirty="0"/>
           </a:p>
@@ -19841,6 +19862,7 @@
           <a:p>
             <a:fld id="{867E5644-1E61-4311-A31E-84CB9C7AA8A9}" type="slidenum">
               <a:rPr lang="en-US" dirty="0"/>
+              <a:pPr/>
               <a:t>‹#›</a:t>
             </a:fld>
             <a:endParaRPr lang="en-US" dirty="0"/>
@@ -20045,7 +20067,7 @@
             <a:fld id="{90298CD5-6C1E-4009-B41F-6DF62E31D3BE}" type="datetimeFigureOut">
               <a:rPr lang="en-US" dirty="0"/>
               <a:pPr/>
-              <a:t>3/15/18</a:t>
+              <a:t>5/5/2019</a:t>
             </a:fld>
             <a:endParaRPr lang="en-US" dirty="0"/>
           </a:p>
@@ -20548,7 +20570,7 @@
           <p:cNvPr id="2" name="標題 1">
             <a:extLst>
               <a:ext uri="{FF2B5EF4-FFF2-40B4-BE49-F238E27FC236}">
-                <a16:creationId xmlns:a16="http://schemas.microsoft.com/office/drawing/2014/main" id="{37A95F8C-61EF-014D-A49E-3F7A6DCDCE31}"/>
+                <a16:creationId xmlns:a16="http://schemas.microsoft.com/office/drawing/2014/main" xmlns="" id="{37A95F8C-61EF-014D-A49E-3F7A6DCDCE31}"/>
               </a:ext>
             </a:extLst>
           </p:cNvPr>
@@ -20577,7 +20599,7 @@
           <p:cNvPr id="3" name="副標題 2">
             <a:extLst>
               <a:ext uri="{FF2B5EF4-FFF2-40B4-BE49-F238E27FC236}">
-                <a16:creationId xmlns:a16="http://schemas.microsoft.com/office/drawing/2014/main" id="{CC277B95-4FFD-7543-A070-382E2FF81EC2}"/>
+                <a16:creationId xmlns:a16="http://schemas.microsoft.com/office/drawing/2014/main" xmlns="" id="{CC277B95-4FFD-7543-A070-382E2FF81EC2}"/>
               </a:ext>
             </a:extLst>
           </p:cNvPr>
@@ -20604,7 +20626,7 @@
     </p:spTree>
     <p:extLst>
       <p:ext uri="{BB962C8B-B14F-4D97-AF65-F5344CB8AC3E}">
-        <p14:creationId xmlns:p14="http://schemas.microsoft.com/office/powerpoint/2010/main" val="215689853"/>
+        <p14:creationId xmlns:p14="http://schemas.microsoft.com/office/powerpoint/2010/main" xmlns="" val="215689853"/>
       </p:ext>
     </p:extLst>
   </p:cSld>
@@ -20636,7 +20658,7 @@
           <p:cNvPr id="2" name="標題 1">
             <a:extLst>
               <a:ext uri="{FF2B5EF4-FFF2-40B4-BE49-F238E27FC236}">
-                <a16:creationId xmlns:a16="http://schemas.microsoft.com/office/drawing/2014/main" id="{338549B0-7FC4-1943-B261-831BC9C88556}"/>
+                <a16:creationId xmlns:a16="http://schemas.microsoft.com/office/drawing/2014/main" xmlns="" id="{338549B0-7FC4-1943-B261-831BC9C88556}"/>
               </a:ext>
             </a:extLst>
           </p:cNvPr>
@@ -20665,7 +20687,7 @@
           <p:cNvPr id="3" name="內容版面配置區 2">
             <a:extLst>
               <a:ext uri="{FF2B5EF4-FFF2-40B4-BE49-F238E27FC236}">
-                <a16:creationId xmlns:a16="http://schemas.microsoft.com/office/drawing/2014/main" id="{784C0BA5-36F4-074D-BA4A-DB63E641E3B0}"/>
+                <a16:creationId xmlns:a16="http://schemas.microsoft.com/office/drawing/2014/main" xmlns="" id="{784C0BA5-36F4-074D-BA4A-DB63E641E3B0}"/>
               </a:ext>
             </a:extLst>
           </p:cNvPr>
@@ -20691,8 +20713,13 @@
             </a:r>
             <a:r>
               <a:rPr kumimoji="1" lang="en-US" altLang="zh-TW" dirty="0"/>
-              <a:t> READ</a:t>
+              <a:t> </a:t>
             </a:r>
+            <a:r>
+              <a:rPr kumimoji="1" lang="en-US" altLang="zh-TW" dirty="0" smtClean="0"/>
+              <a:t>READ  </a:t>
+            </a:r>
+            <a:endParaRPr kumimoji="1" lang="en-US" altLang="zh-TW" dirty="0"/>
           </a:p>
           <a:p>
             <a:pPr lvl="1"/>
@@ -20762,7 +20789,7 @@
     </p:spTree>
     <p:extLst>
       <p:ext uri="{BB962C8B-B14F-4D97-AF65-F5344CB8AC3E}">
-        <p14:creationId xmlns:p14="http://schemas.microsoft.com/office/powerpoint/2010/main" val="2915004940"/>
+        <p14:creationId xmlns:p14="http://schemas.microsoft.com/office/powerpoint/2010/main" xmlns="" val="2915004940"/>
       </p:ext>
     </p:extLst>
   </p:cSld>
@@ -20794,7 +20821,7 @@
           <p:cNvPr id="2" name="標題 1">
             <a:extLst>
               <a:ext uri="{FF2B5EF4-FFF2-40B4-BE49-F238E27FC236}">
-                <a16:creationId xmlns:a16="http://schemas.microsoft.com/office/drawing/2014/main" id="{62D76270-EF8A-C54A-A177-1E2109745EFB}"/>
+                <a16:creationId xmlns:a16="http://schemas.microsoft.com/office/drawing/2014/main" xmlns="" id="{62D76270-EF8A-C54A-A177-1E2109745EFB}"/>
               </a:ext>
             </a:extLst>
           </p:cNvPr>
@@ -20823,7 +20850,7 @@
           <p:cNvPr id="3" name="內容版面配置區 2">
             <a:extLst>
               <a:ext uri="{FF2B5EF4-FFF2-40B4-BE49-F238E27FC236}">
-                <a16:creationId xmlns:a16="http://schemas.microsoft.com/office/drawing/2014/main" id="{B94C53DE-3AD3-334C-B49F-90080BBAF724}"/>
+                <a16:creationId xmlns:a16="http://schemas.microsoft.com/office/drawing/2014/main" xmlns="" id="{B94C53DE-3AD3-334C-B49F-90080BBAF724}"/>
               </a:ext>
             </a:extLst>
           </p:cNvPr>
@@ -20964,7 +20991,7 @@
     </p:spTree>
     <p:extLst>
       <p:ext uri="{BB962C8B-B14F-4D97-AF65-F5344CB8AC3E}">
-        <p14:creationId xmlns:p14="http://schemas.microsoft.com/office/powerpoint/2010/main" val="124463754"/>
+        <p14:creationId xmlns:p14="http://schemas.microsoft.com/office/powerpoint/2010/main" xmlns="" val="124463754"/>
       </p:ext>
     </p:extLst>
   </p:cSld>
@@ -20996,7 +21023,7 @@
           <p:cNvPr id="2" name="標題 1">
             <a:extLst>
               <a:ext uri="{FF2B5EF4-FFF2-40B4-BE49-F238E27FC236}">
-                <a16:creationId xmlns:a16="http://schemas.microsoft.com/office/drawing/2014/main" id="{1A0EE7B9-99B9-194C-8251-F7BC605CB696}"/>
+                <a16:creationId xmlns:a16="http://schemas.microsoft.com/office/drawing/2014/main" xmlns="" id="{1A0EE7B9-99B9-194C-8251-F7BC605CB696}"/>
               </a:ext>
             </a:extLst>
           </p:cNvPr>
@@ -21025,7 +21052,7 @@
           <p:cNvPr id="3" name="內容版面配置區 2">
             <a:extLst>
               <a:ext uri="{FF2B5EF4-FFF2-40B4-BE49-F238E27FC236}">
-                <a16:creationId xmlns:a16="http://schemas.microsoft.com/office/drawing/2014/main" id="{2631DCFA-356D-6142-9F03-2EF67AB79915}"/>
+                <a16:creationId xmlns:a16="http://schemas.microsoft.com/office/drawing/2014/main" xmlns="" id="{2631DCFA-356D-6142-9F03-2EF67AB79915}"/>
               </a:ext>
             </a:extLst>
           </p:cNvPr>
@@ -21054,7 +21081,7 @@
           <p:cNvPr id="4" name="文字方塊 3">
             <a:extLst>
               <a:ext uri="{FF2B5EF4-FFF2-40B4-BE49-F238E27FC236}">
-                <a16:creationId xmlns:a16="http://schemas.microsoft.com/office/drawing/2014/main" id="{4E2EAF6D-2D89-174D-9D60-3C01A0650284}"/>
+                <a16:creationId xmlns:a16="http://schemas.microsoft.com/office/drawing/2014/main" xmlns="" id="{4E2EAF6D-2D89-174D-9D60-3C01A0650284}"/>
               </a:ext>
             </a:extLst>
           </p:cNvPr>
@@ -21124,7 +21151,7 @@
           <p:cNvPr id="5" name="直線圖說文字 2 4">
             <a:extLst>
               <a:ext uri="{FF2B5EF4-FFF2-40B4-BE49-F238E27FC236}">
-                <a16:creationId xmlns:a16="http://schemas.microsoft.com/office/drawing/2014/main" id="{E6836FCD-FE28-CC4A-92B0-747A36EE91DF}"/>
+                <a16:creationId xmlns:a16="http://schemas.microsoft.com/office/drawing/2014/main" xmlns="" id="{E6836FCD-FE28-CC4A-92B0-747A36EE91DF}"/>
               </a:ext>
             </a:extLst>
           </p:cNvPr>
@@ -21208,7 +21235,7 @@
     </p:spTree>
     <p:extLst>
       <p:ext uri="{BB962C8B-B14F-4D97-AF65-F5344CB8AC3E}">
-        <p14:creationId xmlns:p14="http://schemas.microsoft.com/office/powerpoint/2010/main" val="3138741270"/>
+        <p14:creationId xmlns:p14="http://schemas.microsoft.com/office/powerpoint/2010/main" xmlns="" val="3138741270"/>
       </p:ext>
     </p:extLst>
   </p:cSld>
@@ -21240,7 +21267,7 @@
           <p:cNvPr id="2" name="標題 1">
             <a:extLst>
               <a:ext uri="{FF2B5EF4-FFF2-40B4-BE49-F238E27FC236}">
-                <a16:creationId xmlns:a16="http://schemas.microsoft.com/office/drawing/2014/main" id="{EBE011FD-6367-F84B-A11F-4D5A6C827650}"/>
+                <a16:creationId xmlns:a16="http://schemas.microsoft.com/office/drawing/2014/main" xmlns="" id="{EBE011FD-6367-F84B-A11F-4D5A6C827650}"/>
               </a:ext>
             </a:extLst>
           </p:cNvPr>
@@ -21269,7 +21296,7 @@
           <p:cNvPr id="3" name="內容版面配置區 2">
             <a:extLst>
               <a:ext uri="{FF2B5EF4-FFF2-40B4-BE49-F238E27FC236}">
-                <a16:creationId xmlns:a16="http://schemas.microsoft.com/office/drawing/2014/main" id="{1498BBE4-32CD-5140-92D4-B6A5B72D67FC}"/>
+                <a16:creationId xmlns:a16="http://schemas.microsoft.com/office/drawing/2014/main" xmlns="" id="{1498BBE4-32CD-5140-92D4-B6A5B72D67FC}"/>
               </a:ext>
             </a:extLst>
           </p:cNvPr>
@@ -21296,7 +21323,7 @@
     </p:spTree>
     <p:extLst>
       <p:ext uri="{BB962C8B-B14F-4D97-AF65-F5344CB8AC3E}">
-        <p14:creationId xmlns:p14="http://schemas.microsoft.com/office/powerpoint/2010/main" val="4006684863"/>
+        <p14:creationId xmlns:p14="http://schemas.microsoft.com/office/powerpoint/2010/main" xmlns="" val="4006684863"/>
       </p:ext>
     </p:extLst>
   </p:cSld>
@@ -21349,7 +21376,7 @@
     </a:clrScheme>
     <a:fontScheme name="Integral">
       <a:majorFont>
-        <a:latin typeface="Tw Cen MT Condensed" panose="020B0606020104020203"/>
+        <a:latin typeface="Tw Cen MT Condensed"/>
         <a:ea typeface=""/>
         <a:cs typeface=""/>
         <a:font script="Grek" typeface="Calibri"/>
@@ -21386,7 +21413,7 @@
         <a:font script="Geor" typeface="Sylfaen"/>
       </a:majorFont>
       <a:minorFont>
-        <a:latin typeface="Tw Cen MT" panose="020B0602020104020603"/>
+        <a:latin typeface="Tw Cen MT"/>
         <a:ea typeface=""/>
         <a:cs typeface=""/>
         <a:font script="Grek" typeface="Calibri"/>
@@ -21568,7 +21595,7 @@
   <a:extraClrSchemeLst/>
   <a:extLst>
     <a:ext uri="{05A4C25C-085E-4340-85A3-A5531E510DB2}">
-      <thm15:themeFamily xmlns:thm15="http://schemas.microsoft.com/office/thememl/2012/main" name="Integral" id="{3577F8C9-A904-41D8-97D2-FD898F53F20E}" vid="{682D6EBE-8D36-4FF2-9DB3-F3D8D7B6715D}"/>
+      <thm15:themeFamily xmlns:thm15="http://schemas.microsoft.com/office/thememl/2012/main" xmlns="" name="Integral" id="{3577F8C9-A904-41D8-97D2-FD898F53F20E}" vid="{682D6EBE-8D36-4FF2-9DB3-F3D8D7B6715D}"/>
     </a:ext>
   </a:extLst>
 </a:theme>
